--- a/ECU1/Layered Architecture.pptx
+++ b/ECU1/Layered Architecture.pptx
@@ -241,7 +241,7 @@
           <a:p>
             <a:fld id="{FBAD6444-CDEB-4A53-A199-15DDBCDF3A15}" type="datetimeFigureOut">
               <a:rPr lang="en-US" smtClean="0"/>
-              <a:t>4/14/2020</a:t>
+              <a:t>4/19/2020</a:t>
             </a:fld>
             <a:endParaRPr lang="en-US"/>
           </a:p>
@@ -409,7 +409,7 @@
           <a:p>
             <a:fld id="{FBAD6444-CDEB-4A53-A199-15DDBCDF3A15}" type="datetimeFigureOut">
               <a:rPr lang="en-US" smtClean="0"/>
-              <a:t>4/14/2020</a:t>
+              <a:t>4/19/2020</a:t>
             </a:fld>
             <a:endParaRPr lang="en-US"/>
           </a:p>
@@ -587,7 +587,7 @@
           <a:p>
             <a:fld id="{FBAD6444-CDEB-4A53-A199-15DDBCDF3A15}" type="datetimeFigureOut">
               <a:rPr lang="en-US" smtClean="0"/>
-              <a:t>4/14/2020</a:t>
+              <a:t>4/19/2020</a:t>
             </a:fld>
             <a:endParaRPr lang="en-US"/>
           </a:p>
@@ -755,7 +755,7 @@
           <a:p>
             <a:fld id="{FBAD6444-CDEB-4A53-A199-15DDBCDF3A15}" type="datetimeFigureOut">
               <a:rPr lang="en-US" smtClean="0"/>
-              <a:t>4/14/2020</a:t>
+              <a:t>4/19/2020</a:t>
             </a:fld>
             <a:endParaRPr lang="en-US"/>
           </a:p>
@@ -1000,7 +1000,7 @@
           <a:p>
             <a:fld id="{FBAD6444-CDEB-4A53-A199-15DDBCDF3A15}" type="datetimeFigureOut">
               <a:rPr lang="en-US" smtClean="0"/>
-              <a:t>4/14/2020</a:t>
+              <a:t>4/19/2020</a:t>
             </a:fld>
             <a:endParaRPr lang="en-US"/>
           </a:p>
@@ -1229,7 +1229,7 @@
           <a:p>
             <a:fld id="{FBAD6444-CDEB-4A53-A199-15DDBCDF3A15}" type="datetimeFigureOut">
               <a:rPr lang="en-US" smtClean="0"/>
-              <a:t>4/14/2020</a:t>
+              <a:t>4/19/2020</a:t>
             </a:fld>
             <a:endParaRPr lang="en-US"/>
           </a:p>
@@ -1593,7 +1593,7 @@
           <a:p>
             <a:fld id="{FBAD6444-CDEB-4A53-A199-15DDBCDF3A15}" type="datetimeFigureOut">
               <a:rPr lang="en-US" smtClean="0"/>
-              <a:t>4/14/2020</a:t>
+              <a:t>4/19/2020</a:t>
             </a:fld>
             <a:endParaRPr lang="en-US"/>
           </a:p>
@@ -1710,7 +1710,7 @@
           <a:p>
             <a:fld id="{FBAD6444-CDEB-4A53-A199-15DDBCDF3A15}" type="datetimeFigureOut">
               <a:rPr lang="en-US" smtClean="0"/>
-              <a:t>4/14/2020</a:t>
+              <a:t>4/19/2020</a:t>
             </a:fld>
             <a:endParaRPr lang="en-US"/>
           </a:p>
@@ -1805,7 +1805,7 @@
           <a:p>
             <a:fld id="{FBAD6444-CDEB-4A53-A199-15DDBCDF3A15}" type="datetimeFigureOut">
               <a:rPr lang="en-US" smtClean="0"/>
-              <a:t>4/14/2020</a:t>
+              <a:t>4/19/2020</a:t>
             </a:fld>
             <a:endParaRPr lang="en-US"/>
           </a:p>
@@ -2080,7 +2080,7 @@
           <a:p>
             <a:fld id="{FBAD6444-CDEB-4A53-A199-15DDBCDF3A15}" type="datetimeFigureOut">
               <a:rPr lang="en-US" smtClean="0"/>
-              <a:t>4/14/2020</a:t>
+              <a:t>4/19/2020</a:t>
             </a:fld>
             <a:endParaRPr lang="en-US"/>
           </a:p>
@@ -2332,7 +2332,7 @@
           <a:p>
             <a:fld id="{FBAD6444-CDEB-4A53-A199-15DDBCDF3A15}" type="datetimeFigureOut">
               <a:rPr lang="en-US" smtClean="0"/>
-              <a:t>4/14/2020</a:t>
+              <a:t>4/19/2020</a:t>
             </a:fld>
             <a:endParaRPr lang="en-US"/>
           </a:p>
@@ -2543,7 +2543,7 @@
           <a:p>
             <a:fld id="{FBAD6444-CDEB-4A53-A199-15DDBCDF3A15}" type="datetimeFigureOut">
               <a:rPr lang="en-US" smtClean="0"/>
-              <a:t>4/14/2020</a:t>
+              <a:t>4/19/2020</a:t>
             </a:fld>
             <a:endParaRPr lang="en-US"/>
           </a:p>
@@ -3733,7 +3733,7 @@
         <p:spPr>
           <a:xfrm>
             <a:off x="1205644" y="2465448"/>
-            <a:ext cx="9676660" cy="2012163"/>
+            <a:ext cx="9676660" cy="1090149"/>
           </a:xfrm>
           <a:prstGeom prst="rect">
             <a:avLst/>
@@ -3787,8 +3787,8 @@
         </p:nvSpPr>
         <p:spPr>
           <a:xfrm>
-            <a:off x="1205644" y="4682828"/>
-            <a:ext cx="9682668" cy="1828800"/>
+            <a:off x="1205644" y="3697999"/>
+            <a:ext cx="9682668" cy="2813629"/>
           </a:xfrm>
           <a:prstGeom prst="rect">
             <a:avLst/>
@@ -4394,16 +4394,12 @@
           <a:p>
             <a:pPr algn="ctr"/>
             <a:r>
-              <a:rPr lang="en-US" b="1" dirty="0" smtClean="0">
+              <a:rPr lang="en-US" b="1" dirty="0">
                 <a:latin typeface="Times New Roman" panose="02020603050405020304" pitchFamily="18" charset="0"/>
                 <a:cs typeface="Times New Roman" panose="02020603050405020304" pitchFamily="18" charset="0"/>
               </a:rPr>
               <a:t>Door Contact</a:t>
             </a:r>
-            <a:endParaRPr lang="en-US" b="1" dirty="0">
-              <a:latin typeface="Times New Roman" panose="02020603050405020304" pitchFamily="18" charset="0"/>
-              <a:cs typeface="Times New Roman" panose="02020603050405020304" pitchFamily="18" charset="0"/>
-            </a:endParaRPr>
           </a:p>
         </p:txBody>
       </p:sp>
@@ -4445,16 +4441,12 @@
           <a:p>
             <a:pPr algn="ctr"/>
             <a:r>
-              <a:rPr lang="en-US" b="1" dirty="0" smtClean="0">
+              <a:rPr lang="en-US" b="1" dirty="0">
                 <a:latin typeface="Times New Roman" panose="02020603050405020304" pitchFamily="18" charset="0"/>
                 <a:cs typeface="Times New Roman" panose="02020603050405020304" pitchFamily="18" charset="0"/>
               </a:rPr>
               <a:t>Left Door </a:t>
             </a:r>
-            <a:endParaRPr lang="en-US" b="1" dirty="0">
-              <a:latin typeface="Times New Roman" panose="02020603050405020304" pitchFamily="18" charset="0"/>
-              <a:cs typeface="Times New Roman" panose="02020603050405020304" pitchFamily="18" charset="0"/>
-            </a:endParaRPr>
           </a:p>
         </p:txBody>
       </p:sp>
@@ -4715,371 +4707,6 @@
           </a:p>
         </p:txBody>
       </p:sp>
-      <p:grpSp>
-        <p:nvGrpSpPr>
-          <p:cNvPr id="35" name="Group 34">
-            <a:extLst>
-              <a:ext uri="{FF2B5EF4-FFF2-40B4-BE49-F238E27FC236}">
-                <a16:creationId xmlns:a16="http://schemas.microsoft.com/office/drawing/2014/main" id="{3E637414-F61C-431B-82C9-9BE780DAFD08}"/>
-              </a:ext>
-            </a:extLst>
-          </p:cNvPr>
-          <p:cNvGrpSpPr/>
-          <p:nvPr/>
-        </p:nvGrpSpPr>
-        <p:grpSpPr>
-          <a:xfrm>
-            <a:off x="3810908" y="1731823"/>
-            <a:ext cx="7273061" cy="1501113"/>
-            <a:chOff x="2673657" y="2148552"/>
-            <a:chExt cx="7273061" cy="1501113"/>
-          </a:xfrm>
-        </p:grpSpPr>
-        <p:grpSp>
-          <p:nvGrpSpPr>
-            <p:cNvPr id="34" name="Group 33">
-              <a:extLst>
-                <a:ext uri="{FF2B5EF4-FFF2-40B4-BE49-F238E27FC236}">
-                  <a16:creationId xmlns:a16="http://schemas.microsoft.com/office/drawing/2014/main" id="{D77F8BB0-CD33-4CFE-A8F4-DCB2A83CF239}"/>
-                </a:ext>
-              </a:extLst>
-            </p:cNvPr>
-            <p:cNvGrpSpPr/>
-            <p:nvPr/>
-          </p:nvGrpSpPr>
-          <p:grpSpPr>
-            <a:xfrm>
-              <a:off x="2673657" y="2148552"/>
-              <a:ext cx="7273061" cy="1501113"/>
-              <a:chOff x="3784159" y="1722671"/>
-              <a:chExt cx="7273061" cy="1501113"/>
-            </a:xfrm>
-          </p:grpSpPr>
-          <p:sp>
-            <p:nvSpPr>
-              <p:cNvPr id="16" name="Rectangle 15">
-                <a:extLst>
-                  <a:ext uri="{FF2B5EF4-FFF2-40B4-BE49-F238E27FC236}">
-                    <a16:creationId xmlns:a16="http://schemas.microsoft.com/office/drawing/2014/main" id="{12162DEE-4F5E-4C8D-B6FD-729D9B63C260}"/>
-                  </a:ext>
-                </a:extLst>
-              </p:cNvPr>
-              <p:cNvSpPr/>
-              <p:nvPr/>
-            </p:nvSpPr>
-            <p:spPr>
-              <a:xfrm>
-                <a:off x="3784159" y="1722671"/>
-                <a:ext cx="171528" cy="180961"/>
-              </a:xfrm>
-              <a:prstGeom prst="rect">
-                <a:avLst/>
-              </a:prstGeom>
-              <a:solidFill>
-                <a:srgbClr val="C00000"/>
-              </a:solidFill>
-            </p:spPr>
-            <p:style>
-              <a:lnRef idx="2">
-                <a:schemeClr val="accent1">
-                  <a:shade val="50000"/>
-                </a:schemeClr>
-              </a:lnRef>
-              <a:fillRef idx="1">
-                <a:schemeClr val="accent1"/>
-              </a:fillRef>
-              <a:effectRef idx="0">
-                <a:schemeClr val="accent1"/>
-              </a:effectRef>
-              <a:fontRef idx="minor">
-                <a:schemeClr val="lt1"/>
-              </a:fontRef>
-            </p:style>
-            <p:txBody>
-              <a:bodyPr rtlCol="0" anchor="ctr"/>
-              <a:lstStyle/>
-              <a:p>
-                <a:pPr algn="ctr"/>
-                <a:endParaRPr lang="en-US"/>
-              </a:p>
-            </p:txBody>
-          </p:sp>
-          <p:cxnSp>
-            <p:nvCxnSpPr>
-              <p:cNvPr id="20" name="Straight Connector 19">
-                <a:extLst>
-                  <a:ext uri="{FF2B5EF4-FFF2-40B4-BE49-F238E27FC236}">
-                    <a16:creationId xmlns:a16="http://schemas.microsoft.com/office/drawing/2014/main" id="{FD2C8B86-F2AA-4654-8CF6-06AF57C7F818}"/>
-                  </a:ext>
-                </a:extLst>
-              </p:cNvPr>
-              <p:cNvCxnSpPr>
-                <a:stCxn id="16" idx="2"/>
-              </p:cNvCxnSpPr>
-              <p:nvPr/>
-            </p:nvCxnSpPr>
-            <p:spPr>
-              <a:xfrm>
-                <a:off x="3869923" y="1903632"/>
-                <a:ext cx="3013" cy="442357"/>
-              </a:xfrm>
-              <a:prstGeom prst="line">
-                <a:avLst/>
-              </a:prstGeom>
-            </p:spPr>
-            <p:style>
-              <a:lnRef idx="1">
-                <a:schemeClr val="dk1"/>
-              </a:lnRef>
-              <a:fillRef idx="0">
-                <a:schemeClr val="dk1"/>
-              </a:fillRef>
-              <a:effectRef idx="0">
-                <a:schemeClr val="dk1"/>
-              </a:effectRef>
-              <a:fontRef idx="minor">
-                <a:schemeClr val="tx1"/>
-              </a:fontRef>
-            </p:style>
-          </p:cxnSp>
-          <p:cxnSp>
-            <p:nvCxnSpPr>
-              <p:cNvPr id="23" name="Connector: Elbow 22">
-                <a:extLst>
-                  <a:ext uri="{FF2B5EF4-FFF2-40B4-BE49-F238E27FC236}">
-                    <a16:creationId xmlns:a16="http://schemas.microsoft.com/office/drawing/2014/main" id="{5331D341-D589-4374-B07A-63854D09C303}"/>
-                  </a:ext>
-                </a:extLst>
-              </p:cNvPr>
-              <p:cNvCxnSpPr>
-                <a:cxnSpLocks/>
-              </p:cNvCxnSpPr>
-              <p:nvPr/>
-            </p:nvCxnSpPr>
-            <p:spPr>
-              <a:xfrm rot="16200000" flipH="1">
-                <a:off x="6838381" y="-587658"/>
-                <a:ext cx="752503" cy="6689419"/>
-              </a:xfrm>
-              <a:prstGeom prst="bentConnector2">
-                <a:avLst/>
-              </a:prstGeom>
-              <a:ln w="19050" cap="flat" cmpd="sng" algn="ctr">
-                <a:solidFill>
-                  <a:schemeClr val="tx1">
-                    <a:lumMod val="75000"/>
-                    <a:lumOff val="25000"/>
-                  </a:schemeClr>
-                </a:solidFill>
-                <a:prstDash val="dash"/>
-                <a:round/>
-                <a:headEnd type="none" w="med" len="med"/>
-                <a:tailEnd type="none" w="med" len="med"/>
-              </a:ln>
-            </p:spPr>
-            <p:style>
-              <a:lnRef idx="0">
-                <a:scrgbClr r="0" g="0" b="0"/>
-              </a:lnRef>
-              <a:fillRef idx="0">
-                <a:scrgbClr r="0" g="0" b="0"/>
-              </a:fillRef>
-              <a:effectRef idx="0">
-                <a:scrgbClr r="0" g="0" b="0"/>
-              </a:effectRef>
-              <a:fontRef idx="minor">
-                <a:schemeClr val="tx1"/>
-              </a:fontRef>
-            </p:style>
-          </p:cxnSp>
-          <p:sp>
-            <p:nvSpPr>
-              <p:cNvPr id="108" name="Rectangle 107">
-                <a:extLst>
-                  <a:ext uri="{FF2B5EF4-FFF2-40B4-BE49-F238E27FC236}">
-                    <a16:creationId xmlns:a16="http://schemas.microsoft.com/office/drawing/2014/main" id="{2D27D04E-F9CE-4768-BFBD-54B87C793EB9}"/>
-                  </a:ext>
-                </a:extLst>
-              </p:cNvPr>
-              <p:cNvSpPr/>
-              <p:nvPr/>
-            </p:nvSpPr>
-            <p:spPr>
-              <a:xfrm>
-                <a:off x="10885692" y="3042823"/>
-                <a:ext cx="171528" cy="180961"/>
-              </a:xfrm>
-              <a:prstGeom prst="rect">
-                <a:avLst/>
-              </a:prstGeom>
-              <a:solidFill>
-                <a:srgbClr val="C00000"/>
-              </a:solidFill>
-            </p:spPr>
-            <p:style>
-              <a:lnRef idx="2">
-                <a:schemeClr val="accent1">
-                  <a:shade val="50000"/>
-                </a:schemeClr>
-              </a:lnRef>
-              <a:fillRef idx="1">
-                <a:schemeClr val="accent1"/>
-              </a:fillRef>
-              <a:effectRef idx="0">
-                <a:schemeClr val="accent1"/>
-              </a:effectRef>
-              <a:fontRef idx="minor">
-                <a:schemeClr val="lt1"/>
-              </a:fontRef>
-            </p:style>
-            <p:txBody>
-              <a:bodyPr rtlCol="0" anchor="ctr"/>
-              <a:lstStyle/>
-              <a:p>
-                <a:pPr algn="ctr"/>
-                <a:endParaRPr lang="en-US"/>
-              </a:p>
-            </p:txBody>
-          </p:sp>
-          <p:cxnSp>
-            <p:nvCxnSpPr>
-              <p:cNvPr id="29" name="Straight Connector 28">
-                <a:extLst>
-                  <a:ext uri="{FF2B5EF4-FFF2-40B4-BE49-F238E27FC236}">
-                    <a16:creationId xmlns:a16="http://schemas.microsoft.com/office/drawing/2014/main" id="{869E8536-6BAA-40BD-87BA-BFEBEC90DE8D}"/>
-                  </a:ext>
-                </a:extLst>
-              </p:cNvPr>
-              <p:cNvCxnSpPr>
-                <a:cxnSpLocks/>
-                <a:stCxn id="108" idx="1"/>
-              </p:cNvCxnSpPr>
-              <p:nvPr/>
-            </p:nvCxnSpPr>
-            <p:spPr>
-              <a:xfrm flipH="1">
-                <a:off x="10663006" y="3133304"/>
-                <a:ext cx="222686" cy="0"/>
-              </a:xfrm>
-              <a:prstGeom prst="line">
-                <a:avLst/>
-              </a:prstGeom>
-            </p:spPr>
-            <p:style>
-              <a:lnRef idx="1">
-                <a:schemeClr val="dk1"/>
-              </a:lnRef>
-              <a:fillRef idx="0">
-                <a:schemeClr val="dk1"/>
-              </a:fillRef>
-              <a:effectRef idx="0">
-                <a:schemeClr val="dk1"/>
-              </a:effectRef>
-              <a:fontRef idx="minor">
-                <a:schemeClr val="tx1"/>
-              </a:fontRef>
-            </p:style>
-          </p:cxnSp>
-          <p:sp>
-            <p:nvSpPr>
-              <p:cNvPr id="109" name="Isosceles Triangle 108">
-                <a:extLst>
-                  <a:ext uri="{FF2B5EF4-FFF2-40B4-BE49-F238E27FC236}">
-                    <a16:creationId xmlns:a16="http://schemas.microsoft.com/office/drawing/2014/main" id="{3FD200B3-AE6F-45FE-97E3-A824E4639BF9}"/>
-                  </a:ext>
-                </a:extLst>
-              </p:cNvPr>
-              <p:cNvSpPr/>
-              <p:nvPr/>
-            </p:nvSpPr>
-            <p:spPr>
-              <a:xfrm rot="5400000" flipH="1">
-                <a:off x="10542323" y="3031794"/>
-                <a:ext cx="141251" cy="180211"/>
-              </a:xfrm>
-              <a:prstGeom prst="triangle">
-                <a:avLst/>
-              </a:prstGeom>
-              <a:solidFill>
-                <a:srgbClr val="C00000"/>
-              </a:solidFill>
-            </p:spPr>
-            <p:style>
-              <a:lnRef idx="2">
-                <a:schemeClr val="accent1">
-                  <a:shade val="50000"/>
-                </a:schemeClr>
-              </a:lnRef>
-              <a:fillRef idx="1">
-                <a:schemeClr val="accent1"/>
-              </a:fillRef>
-              <a:effectRef idx="0">
-                <a:schemeClr val="accent1"/>
-              </a:effectRef>
-              <a:fontRef idx="minor">
-                <a:schemeClr val="lt1"/>
-              </a:fontRef>
-            </p:style>
-            <p:txBody>
-              <a:bodyPr rtlCol="0" anchor="ctr"/>
-              <a:lstStyle/>
-              <a:p>
-                <a:pPr algn="ctr"/>
-                <a:endParaRPr lang="en-US"/>
-              </a:p>
-            </p:txBody>
-          </p:sp>
-        </p:grpSp>
-        <p:sp>
-          <p:nvSpPr>
-            <p:cNvPr id="33" name="Isosceles Triangle 32">
-              <a:extLst>
-                <a:ext uri="{FF2B5EF4-FFF2-40B4-BE49-F238E27FC236}">
-                  <a16:creationId xmlns:a16="http://schemas.microsoft.com/office/drawing/2014/main" id="{77ECE99E-5C9A-47C6-93AF-F68F17596A1F}"/>
-                </a:ext>
-              </a:extLst>
-            </p:cNvPr>
-            <p:cNvSpPr/>
-            <p:nvPr/>
-          </p:nvSpPr>
-          <p:spPr>
-            <a:xfrm flipV="1">
-              <a:off x="2701432" y="2759327"/>
-              <a:ext cx="141251" cy="180211"/>
-            </a:xfrm>
-            <a:prstGeom prst="triangle">
-              <a:avLst/>
-            </a:prstGeom>
-            <a:solidFill>
-              <a:srgbClr val="C00000"/>
-            </a:solidFill>
-          </p:spPr>
-          <p:style>
-            <a:lnRef idx="2">
-              <a:schemeClr val="accent1">
-                <a:shade val="50000"/>
-              </a:schemeClr>
-            </a:lnRef>
-            <a:fillRef idx="1">
-              <a:schemeClr val="accent1"/>
-            </a:fillRef>
-            <a:effectRef idx="0">
-              <a:schemeClr val="accent1"/>
-            </a:effectRef>
-            <a:fontRef idx="minor">
-              <a:schemeClr val="lt1"/>
-            </a:fontRef>
-          </p:style>
-          <p:txBody>
-            <a:bodyPr rtlCol="0" anchor="ctr"/>
-            <a:lstStyle/>
-            <a:p>
-              <a:pPr algn="ctr"/>
-              <a:endParaRPr lang="en-US"/>
-            </a:p>
-          </p:txBody>
-        </p:sp>
-      </p:grpSp>
       <p:sp>
         <p:nvSpPr>
           <p:cNvPr id="45" name="Rectangle 44">
@@ -5342,16 +4969,12 @@
           <a:p>
             <a:pPr algn="ctr"/>
             <a:r>
-              <a:rPr lang="en-US" b="1" dirty="0" smtClean="0">
+              <a:rPr lang="en-US" b="1" dirty="0">
                 <a:latin typeface="Times New Roman" panose="02020603050405020304" pitchFamily="18" charset="0"/>
                 <a:cs typeface="Times New Roman" panose="02020603050405020304" pitchFamily="18" charset="0"/>
               </a:rPr>
               <a:t>Right Door </a:t>
             </a:r>
-            <a:endParaRPr lang="en-US" b="1" dirty="0">
-              <a:latin typeface="Times New Roman" panose="02020603050405020304" pitchFamily="18" charset="0"/>
-              <a:cs typeface="Times New Roman" panose="02020603050405020304" pitchFamily="18" charset="0"/>
-            </a:endParaRPr>
           </a:p>
         </p:txBody>
       </p:sp>
@@ -5740,6 +5363,1035 @@
           </p:txBody>
         </p:sp>
       </p:grpSp>
+      <p:grpSp>
+        <p:nvGrpSpPr>
+          <p:cNvPr id="67" name="Group 66">
+            <a:extLst>
+              <a:ext uri="{FF2B5EF4-FFF2-40B4-BE49-F238E27FC236}">
+                <a16:creationId xmlns:a16="http://schemas.microsoft.com/office/drawing/2014/main" id="{735894F0-D9CA-4936-B5DA-656B605ACEDD}"/>
+              </a:ext>
+            </a:extLst>
+          </p:cNvPr>
+          <p:cNvGrpSpPr/>
+          <p:nvPr/>
+        </p:nvGrpSpPr>
+        <p:grpSpPr>
+          <a:xfrm>
+            <a:off x="3536761" y="1731166"/>
+            <a:ext cx="4775335" cy="2593337"/>
+            <a:chOff x="3750456" y="1709788"/>
+            <a:chExt cx="3258144" cy="2593337"/>
+          </a:xfrm>
+        </p:grpSpPr>
+        <p:grpSp>
+          <p:nvGrpSpPr>
+            <p:cNvPr id="70" name="Group 69">
+              <a:extLst>
+                <a:ext uri="{FF2B5EF4-FFF2-40B4-BE49-F238E27FC236}">
+                  <a16:creationId xmlns:a16="http://schemas.microsoft.com/office/drawing/2014/main" id="{D77F8BB0-CD33-4CFE-A8F4-DCB2A83CF239}"/>
+                </a:ext>
+              </a:extLst>
+            </p:cNvPr>
+            <p:cNvGrpSpPr/>
+            <p:nvPr/>
+          </p:nvGrpSpPr>
+          <p:grpSpPr>
+            <a:xfrm>
+              <a:off x="3776368" y="1709788"/>
+              <a:ext cx="3232232" cy="2593337"/>
+              <a:chOff x="3784159" y="1722671"/>
+              <a:chExt cx="7273061" cy="1501113"/>
+            </a:xfrm>
+          </p:grpSpPr>
+          <p:sp>
+            <p:nvSpPr>
+              <p:cNvPr id="72" name="Rectangle 71">
+                <a:extLst>
+                  <a:ext uri="{FF2B5EF4-FFF2-40B4-BE49-F238E27FC236}">
+                    <a16:creationId xmlns:a16="http://schemas.microsoft.com/office/drawing/2014/main" id="{12162DEE-4F5E-4C8D-B6FD-729D9B63C260}"/>
+                  </a:ext>
+                </a:extLst>
+              </p:cNvPr>
+              <p:cNvSpPr/>
+              <p:nvPr/>
+            </p:nvSpPr>
+            <p:spPr>
+              <a:xfrm>
+                <a:off x="3784159" y="1722671"/>
+                <a:ext cx="171528" cy="180961"/>
+              </a:xfrm>
+              <a:prstGeom prst="rect">
+                <a:avLst/>
+              </a:prstGeom>
+              <a:solidFill>
+                <a:srgbClr val="C00000"/>
+              </a:solidFill>
+            </p:spPr>
+            <p:style>
+              <a:lnRef idx="2">
+                <a:schemeClr val="accent1">
+                  <a:shade val="50000"/>
+                </a:schemeClr>
+              </a:lnRef>
+              <a:fillRef idx="1">
+                <a:schemeClr val="accent1"/>
+              </a:fillRef>
+              <a:effectRef idx="0">
+                <a:schemeClr val="accent1"/>
+              </a:effectRef>
+              <a:fontRef idx="minor">
+                <a:schemeClr val="lt1"/>
+              </a:fontRef>
+            </p:style>
+            <p:txBody>
+              <a:bodyPr rtlCol="0" anchor="ctr"/>
+              <a:lstStyle>
+                <a:defPPr>
+                  <a:defRPr lang="en-US"/>
+                </a:defPPr>
+                <a:lvl1pPr marL="0" algn="l" defTabSz="914400" rtl="0" eaLnBrk="1" latinLnBrk="0" hangingPunct="1">
+                  <a:defRPr sz="1800" kern="1200">
+                    <a:solidFill>
+                      <a:schemeClr val="lt1"/>
+                    </a:solidFill>
+                    <a:latin typeface="+mn-lt"/>
+                    <a:ea typeface="+mn-ea"/>
+                    <a:cs typeface="+mn-cs"/>
+                  </a:defRPr>
+                </a:lvl1pPr>
+                <a:lvl2pPr marL="457200" algn="l" defTabSz="914400" rtl="0" eaLnBrk="1" latinLnBrk="0" hangingPunct="1">
+                  <a:defRPr sz="1800" kern="1200">
+                    <a:solidFill>
+                      <a:schemeClr val="lt1"/>
+                    </a:solidFill>
+                    <a:latin typeface="+mn-lt"/>
+                    <a:ea typeface="+mn-ea"/>
+                    <a:cs typeface="+mn-cs"/>
+                  </a:defRPr>
+                </a:lvl2pPr>
+                <a:lvl3pPr marL="914400" algn="l" defTabSz="914400" rtl="0" eaLnBrk="1" latinLnBrk="0" hangingPunct="1">
+                  <a:defRPr sz="1800" kern="1200">
+                    <a:solidFill>
+                      <a:schemeClr val="lt1"/>
+                    </a:solidFill>
+                    <a:latin typeface="+mn-lt"/>
+                    <a:ea typeface="+mn-ea"/>
+                    <a:cs typeface="+mn-cs"/>
+                  </a:defRPr>
+                </a:lvl3pPr>
+                <a:lvl4pPr marL="1371600" algn="l" defTabSz="914400" rtl="0" eaLnBrk="1" latinLnBrk="0" hangingPunct="1">
+                  <a:defRPr sz="1800" kern="1200">
+                    <a:solidFill>
+                      <a:schemeClr val="lt1"/>
+                    </a:solidFill>
+                    <a:latin typeface="+mn-lt"/>
+                    <a:ea typeface="+mn-ea"/>
+                    <a:cs typeface="+mn-cs"/>
+                  </a:defRPr>
+                </a:lvl4pPr>
+                <a:lvl5pPr marL="1828800" algn="l" defTabSz="914400" rtl="0" eaLnBrk="1" latinLnBrk="0" hangingPunct="1">
+                  <a:defRPr sz="1800" kern="1200">
+                    <a:solidFill>
+                      <a:schemeClr val="lt1"/>
+                    </a:solidFill>
+                    <a:latin typeface="+mn-lt"/>
+                    <a:ea typeface="+mn-ea"/>
+                    <a:cs typeface="+mn-cs"/>
+                  </a:defRPr>
+                </a:lvl5pPr>
+                <a:lvl6pPr marL="2286000" algn="l" defTabSz="914400" rtl="0" eaLnBrk="1" latinLnBrk="0" hangingPunct="1">
+                  <a:defRPr sz="1800" kern="1200">
+                    <a:solidFill>
+                      <a:schemeClr val="lt1"/>
+                    </a:solidFill>
+                    <a:latin typeface="+mn-lt"/>
+                    <a:ea typeface="+mn-ea"/>
+                    <a:cs typeface="+mn-cs"/>
+                  </a:defRPr>
+                </a:lvl6pPr>
+                <a:lvl7pPr marL="2743200" algn="l" defTabSz="914400" rtl="0" eaLnBrk="1" latinLnBrk="0" hangingPunct="1">
+                  <a:defRPr sz="1800" kern="1200">
+                    <a:solidFill>
+                      <a:schemeClr val="lt1"/>
+                    </a:solidFill>
+                    <a:latin typeface="+mn-lt"/>
+                    <a:ea typeface="+mn-ea"/>
+                    <a:cs typeface="+mn-cs"/>
+                  </a:defRPr>
+                </a:lvl7pPr>
+                <a:lvl8pPr marL="3200400" algn="l" defTabSz="914400" rtl="0" eaLnBrk="1" latinLnBrk="0" hangingPunct="1">
+                  <a:defRPr sz="1800" kern="1200">
+                    <a:solidFill>
+                      <a:schemeClr val="lt1"/>
+                    </a:solidFill>
+                    <a:latin typeface="+mn-lt"/>
+                    <a:ea typeface="+mn-ea"/>
+                    <a:cs typeface="+mn-cs"/>
+                  </a:defRPr>
+                </a:lvl8pPr>
+                <a:lvl9pPr marL="3657600" algn="l" defTabSz="914400" rtl="0" eaLnBrk="1" latinLnBrk="0" hangingPunct="1">
+                  <a:defRPr sz="1800" kern="1200">
+                    <a:solidFill>
+                      <a:schemeClr val="lt1"/>
+                    </a:solidFill>
+                    <a:latin typeface="+mn-lt"/>
+                    <a:ea typeface="+mn-ea"/>
+                    <a:cs typeface="+mn-cs"/>
+                  </a:defRPr>
+                </a:lvl9pPr>
+              </a:lstStyle>
+              <a:p>
+                <a:pPr algn="ctr"/>
+                <a:endParaRPr lang="en-US"/>
+              </a:p>
+            </p:txBody>
+          </p:sp>
+          <p:cxnSp>
+            <p:nvCxnSpPr>
+              <p:cNvPr id="73" name="Straight Connector 72">
+                <a:extLst>
+                  <a:ext uri="{FF2B5EF4-FFF2-40B4-BE49-F238E27FC236}">
+                    <a16:creationId xmlns:a16="http://schemas.microsoft.com/office/drawing/2014/main" id="{FD2C8B86-F2AA-4654-8CF6-06AF57C7F818}"/>
+                  </a:ext>
+                </a:extLst>
+              </p:cNvPr>
+              <p:cNvCxnSpPr>
+                <a:stCxn id="72" idx="2"/>
+              </p:cNvCxnSpPr>
+              <p:nvPr/>
+            </p:nvCxnSpPr>
+            <p:spPr>
+              <a:xfrm>
+                <a:off x="3869923" y="1903632"/>
+                <a:ext cx="3013" cy="442357"/>
+              </a:xfrm>
+              <a:prstGeom prst="line">
+                <a:avLst/>
+              </a:prstGeom>
+            </p:spPr>
+            <p:style>
+              <a:lnRef idx="1">
+                <a:schemeClr val="dk1"/>
+              </a:lnRef>
+              <a:fillRef idx="0">
+                <a:schemeClr val="dk1"/>
+              </a:fillRef>
+              <a:effectRef idx="0">
+                <a:schemeClr val="dk1"/>
+              </a:effectRef>
+              <a:fontRef idx="minor">
+                <a:schemeClr val="tx1"/>
+              </a:fontRef>
+            </p:style>
+          </p:cxnSp>
+          <p:cxnSp>
+            <p:nvCxnSpPr>
+              <p:cNvPr id="74" name="Connector: Elbow 73">
+                <a:extLst>
+                  <a:ext uri="{FF2B5EF4-FFF2-40B4-BE49-F238E27FC236}">
+                    <a16:creationId xmlns:a16="http://schemas.microsoft.com/office/drawing/2014/main" id="{5331D341-D589-4374-B07A-63854D09C303}"/>
+                  </a:ext>
+                </a:extLst>
+              </p:cNvPr>
+              <p:cNvCxnSpPr>
+                <a:cxnSpLocks/>
+              </p:cNvCxnSpPr>
+              <p:nvPr/>
+            </p:nvCxnSpPr>
+            <p:spPr>
+              <a:xfrm rot="16200000" flipH="1">
+                <a:off x="6838381" y="-587658"/>
+                <a:ext cx="752503" cy="6689419"/>
+              </a:xfrm>
+              <a:prstGeom prst="bentConnector2">
+                <a:avLst/>
+              </a:prstGeom>
+              <a:ln w="19050" cap="flat" cmpd="sng" algn="ctr">
+                <a:solidFill>
+                  <a:schemeClr val="tx1">
+                    <a:lumMod val="75000"/>
+                    <a:lumOff val="25000"/>
+                  </a:schemeClr>
+                </a:solidFill>
+                <a:prstDash val="dash"/>
+                <a:round/>
+                <a:headEnd type="none" w="med" len="med"/>
+                <a:tailEnd type="none" w="med" len="med"/>
+              </a:ln>
+            </p:spPr>
+            <p:style>
+              <a:lnRef idx="0">
+                <a:scrgbClr r="0" g="0" b="0"/>
+              </a:lnRef>
+              <a:fillRef idx="0">
+                <a:scrgbClr r="0" g="0" b="0"/>
+              </a:fillRef>
+              <a:effectRef idx="0">
+                <a:scrgbClr r="0" g="0" b="0"/>
+              </a:effectRef>
+              <a:fontRef idx="minor">
+                <a:schemeClr val="tx1"/>
+              </a:fontRef>
+            </p:style>
+          </p:cxnSp>
+          <p:sp>
+            <p:nvSpPr>
+              <p:cNvPr id="75" name="Rectangle 74">
+                <a:extLst>
+                  <a:ext uri="{FF2B5EF4-FFF2-40B4-BE49-F238E27FC236}">
+                    <a16:creationId xmlns:a16="http://schemas.microsoft.com/office/drawing/2014/main" id="{2D27D04E-F9CE-4768-BFBD-54B87C793EB9}"/>
+                  </a:ext>
+                </a:extLst>
+              </p:cNvPr>
+              <p:cNvSpPr/>
+              <p:nvPr/>
+            </p:nvSpPr>
+            <p:spPr>
+              <a:xfrm>
+                <a:off x="10885692" y="3042823"/>
+                <a:ext cx="171528" cy="180961"/>
+              </a:xfrm>
+              <a:prstGeom prst="rect">
+                <a:avLst/>
+              </a:prstGeom>
+              <a:solidFill>
+                <a:srgbClr val="C00000"/>
+              </a:solidFill>
+            </p:spPr>
+            <p:style>
+              <a:lnRef idx="2">
+                <a:schemeClr val="accent1">
+                  <a:shade val="50000"/>
+                </a:schemeClr>
+              </a:lnRef>
+              <a:fillRef idx="1">
+                <a:schemeClr val="accent1"/>
+              </a:fillRef>
+              <a:effectRef idx="0">
+                <a:schemeClr val="accent1"/>
+              </a:effectRef>
+              <a:fontRef idx="minor">
+                <a:schemeClr val="lt1"/>
+              </a:fontRef>
+            </p:style>
+            <p:txBody>
+              <a:bodyPr rtlCol="0" anchor="ctr"/>
+              <a:lstStyle>
+                <a:defPPr>
+                  <a:defRPr lang="en-US"/>
+                </a:defPPr>
+                <a:lvl1pPr marL="0" algn="l" defTabSz="914400" rtl="0" eaLnBrk="1" latinLnBrk="0" hangingPunct="1">
+                  <a:defRPr sz="1800" kern="1200">
+                    <a:solidFill>
+                      <a:schemeClr val="lt1"/>
+                    </a:solidFill>
+                    <a:latin typeface="+mn-lt"/>
+                    <a:ea typeface="+mn-ea"/>
+                    <a:cs typeface="+mn-cs"/>
+                  </a:defRPr>
+                </a:lvl1pPr>
+                <a:lvl2pPr marL="457200" algn="l" defTabSz="914400" rtl="0" eaLnBrk="1" latinLnBrk="0" hangingPunct="1">
+                  <a:defRPr sz="1800" kern="1200">
+                    <a:solidFill>
+                      <a:schemeClr val="lt1"/>
+                    </a:solidFill>
+                    <a:latin typeface="+mn-lt"/>
+                    <a:ea typeface="+mn-ea"/>
+                    <a:cs typeface="+mn-cs"/>
+                  </a:defRPr>
+                </a:lvl2pPr>
+                <a:lvl3pPr marL="914400" algn="l" defTabSz="914400" rtl="0" eaLnBrk="1" latinLnBrk="0" hangingPunct="1">
+                  <a:defRPr sz="1800" kern="1200">
+                    <a:solidFill>
+                      <a:schemeClr val="lt1"/>
+                    </a:solidFill>
+                    <a:latin typeface="+mn-lt"/>
+                    <a:ea typeface="+mn-ea"/>
+                    <a:cs typeface="+mn-cs"/>
+                  </a:defRPr>
+                </a:lvl3pPr>
+                <a:lvl4pPr marL="1371600" algn="l" defTabSz="914400" rtl="0" eaLnBrk="1" latinLnBrk="0" hangingPunct="1">
+                  <a:defRPr sz="1800" kern="1200">
+                    <a:solidFill>
+                      <a:schemeClr val="lt1"/>
+                    </a:solidFill>
+                    <a:latin typeface="+mn-lt"/>
+                    <a:ea typeface="+mn-ea"/>
+                    <a:cs typeface="+mn-cs"/>
+                  </a:defRPr>
+                </a:lvl4pPr>
+                <a:lvl5pPr marL="1828800" algn="l" defTabSz="914400" rtl="0" eaLnBrk="1" latinLnBrk="0" hangingPunct="1">
+                  <a:defRPr sz="1800" kern="1200">
+                    <a:solidFill>
+                      <a:schemeClr val="lt1"/>
+                    </a:solidFill>
+                    <a:latin typeface="+mn-lt"/>
+                    <a:ea typeface="+mn-ea"/>
+                    <a:cs typeface="+mn-cs"/>
+                  </a:defRPr>
+                </a:lvl5pPr>
+                <a:lvl6pPr marL="2286000" algn="l" defTabSz="914400" rtl="0" eaLnBrk="1" latinLnBrk="0" hangingPunct="1">
+                  <a:defRPr sz="1800" kern="1200">
+                    <a:solidFill>
+                      <a:schemeClr val="lt1"/>
+                    </a:solidFill>
+                    <a:latin typeface="+mn-lt"/>
+                    <a:ea typeface="+mn-ea"/>
+                    <a:cs typeface="+mn-cs"/>
+                  </a:defRPr>
+                </a:lvl6pPr>
+                <a:lvl7pPr marL="2743200" algn="l" defTabSz="914400" rtl="0" eaLnBrk="1" latinLnBrk="0" hangingPunct="1">
+                  <a:defRPr sz="1800" kern="1200">
+                    <a:solidFill>
+                      <a:schemeClr val="lt1"/>
+                    </a:solidFill>
+                    <a:latin typeface="+mn-lt"/>
+                    <a:ea typeface="+mn-ea"/>
+                    <a:cs typeface="+mn-cs"/>
+                  </a:defRPr>
+                </a:lvl7pPr>
+                <a:lvl8pPr marL="3200400" algn="l" defTabSz="914400" rtl="0" eaLnBrk="1" latinLnBrk="0" hangingPunct="1">
+                  <a:defRPr sz="1800" kern="1200">
+                    <a:solidFill>
+                      <a:schemeClr val="lt1"/>
+                    </a:solidFill>
+                    <a:latin typeface="+mn-lt"/>
+                    <a:ea typeface="+mn-ea"/>
+                    <a:cs typeface="+mn-cs"/>
+                  </a:defRPr>
+                </a:lvl8pPr>
+                <a:lvl9pPr marL="3657600" algn="l" defTabSz="914400" rtl="0" eaLnBrk="1" latinLnBrk="0" hangingPunct="1">
+                  <a:defRPr sz="1800" kern="1200">
+                    <a:solidFill>
+                      <a:schemeClr val="lt1"/>
+                    </a:solidFill>
+                    <a:latin typeface="+mn-lt"/>
+                    <a:ea typeface="+mn-ea"/>
+                    <a:cs typeface="+mn-cs"/>
+                  </a:defRPr>
+                </a:lvl9pPr>
+              </a:lstStyle>
+              <a:p>
+                <a:pPr algn="ctr"/>
+                <a:endParaRPr lang="en-US"/>
+              </a:p>
+            </p:txBody>
+          </p:sp>
+          <p:cxnSp>
+            <p:nvCxnSpPr>
+              <p:cNvPr id="76" name="Straight Connector 75">
+                <a:extLst>
+                  <a:ext uri="{FF2B5EF4-FFF2-40B4-BE49-F238E27FC236}">
+                    <a16:creationId xmlns:a16="http://schemas.microsoft.com/office/drawing/2014/main" id="{869E8536-6BAA-40BD-87BA-BFEBEC90DE8D}"/>
+                  </a:ext>
+                </a:extLst>
+              </p:cNvPr>
+              <p:cNvCxnSpPr>
+                <a:cxnSpLocks/>
+                <a:stCxn id="75" idx="1"/>
+              </p:cNvCxnSpPr>
+              <p:nvPr/>
+            </p:nvCxnSpPr>
+            <p:spPr>
+              <a:xfrm flipH="1">
+                <a:off x="10663006" y="3133304"/>
+                <a:ext cx="222686" cy="0"/>
+              </a:xfrm>
+              <a:prstGeom prst="line">
+                <a:avLst/>
+              </a:prstGeom>
+            </p:spPr>
+            <p:style>
+              <a:lnRef idx="1">
+                <a:schemeClr val="dk1"/>
+              </a:lnRef>
+              <a:fillRef idx="0">
+                <a:schemeClr val="dk1"/>
+              </a:fillRef>
+              <a:effectRef idx="0">
+                <a:schemeClr val="dk1"/>
+              </a:effectRef>
+              <a:fontRef idx="minor">
+                <a:schemeClr val="tx1"/>
+              </a:fontRef>
+            </p:style>
+          </p:cxnSp>
+          <p:sp>
+            <p:nvSpPr>
+              <p:cNvPr id="77" name="Isosceles Triangle 76">
+                <a:extLst>
+                  <a:ext uri="{FF2B5EF4-FFF2-40B4-BE49-F238E27FC236}">
+                    <a16:creationId xmlns:a16="http://schemas.microsoft.com/office/drawing/2014/main" id="{3FD200B3-AE6F-45FE-97E3-A824E4639BF9}"/>
+                  </a:ext>
+                </a:extLst>
+              </p:cNvPr>
+              <p:cNvSpPr/>
+              <p:nvPr/>
+            </p:nvSpPr>
+            <p:spPr>
+              <a:xfrm rot="16200000">
+                <a:off x="10542323" y="3031794"/>
+                <a:ext cx="141251" cy="180211"/>
+              </a:xfrm>
+              <a:prstGeom prst="triangle">
+                <a:avLst/>
+              </a:prstGeom>
+              <a:solidFill>
+                <a:srgbClr val="C00000"/>
+              </a:solidFill>
+            </p:spPr>
+            <p:style>
+              <a:lnRef idx="2">
+                <a:schemeClr val="accent1">
+                  <a:shade val="50000"/>
+                </a:schemeClr>
+              </a:lnRef>
+              <a:fillRef idx="1">
+                <a:schemeClr val="accent1"/>
+              </a:fillRef>
+              <a:effectRef idx="0">
+                <a:schemeClr val="accent1"/>
+              </a:effectRef>
+              <a:fontRef idx="minor">
+                <a:schemeClr val="lt1"/>
+              </a:fontRef>
+            </p:style>
+            <p:txBody>
+              <a:bodyPr rtlCol="0" anchor="ctr"/>
+              <a:lstStyle>
+                <a:defPPr>
+                  <a:defRPr lang="en-US"/>
+                </a:defPPr>
+                <a:lvl1pPr marL="0" algn="l" defTabSz="914400" rtl="0" eaLnBrk="1" latinLnBrk="0" hangingPunct="1">
+                  <a:defRPr sz="1800" kern="1200">
+                    <a:solidFill>
+                      <a:schemeClr val="lt1"/>
+                    </a:solidFill>
+                    <a:latin typeface="+mn-lt"/>
+                    <a:ea typeface="+mn-ea"/>
+                    <a:cs typeface="+mn-cs"/>
+                  </a:defRPr>
+                </a:lvl1pPr>
+                <a:lvl2pPr marL="457200" algn="l" defTabSz="914400" rtl="0" eaLnBrk="1" latinLnBrk="0" hangingPunct="1">
+                  <a:defRPr sz="1800" kern="1200">
+                    <a:solidFill>
+                      <a:schemeClr val="lt1"/>
+                    </a:solidFill>
+                    <a:latin typeface="+mn-lt"/>
+                    <a:ea typeface="+mn-ea"/>
+                    <a:cs typeface="+mn-cs"/>
+                  </a:defRPr>
+                </a:lvl2pPr>
+                <a:lvl3pPr marL="914400" algn="l" defTabSz="914400" rtl="0" eaLnBrk="1" latinLnBrk="0" hangingPunct="1">
+                  <a:defRPr sz="1800" kern="1200">
+                    <a:solidFill>
+                      <a:schemeClr val="lt1"/>
+                    </a:solidFill>
+                    <a:latin typeface="+mn-lt"/>
+                    <a:ea typeface="+mn-ea"/>
+                    <a:cs typeface="+mn-cs"/>
+                  </a:defRPr>
+                </a:lvl3pPr>
+                <a:lvl4pPr marL="1371600" algn="l" defTabSz="914400" rtl="0" eaLnBrk="1" latinLnBrk="0" hangingPunct="1">
+                  <a:defRPr sz="1800" kern="1200">
+                    <a:solidFill>
+                      <a:schemeClr val="lt1"/>
+                    </a:solidFill>
+                    <a:latin typeface="+mn-lt"/>
+                    <a:ea typeface="+mn-ea"/>
+                    <a:cs typeface="+mn-cs"/>
+                  </a:defRPr>
+                </a:lvl4pPr>
+                <a:lvl5pPr marL="1828800" algn="l" defTabSz="914400" rtl="0" eaLnBrk="1" latinLnBrk="0" hangingPunct="1">
+                  <a:defRPr sz="1800" kern="1200">
+                    <a:solidFill>
+                      <a:schemeClr val="lt1"/>
+                    </a:solidFill>
+                    <a:latin typeface="+mn-lt"/>
+                    <a:ea typeface="+mn-ea"/>
+                    <a:cs typeface="+mn-cs"/>
+                  </a:defRPr>
+                </a:lvl5pPr>
+                <a:lvl6pPr marL="2286000" algn="l" defTabSz="914400" rtl="0" eaLnBrk="1" latinLnBrk="0" hangingPunct="1">
+                  <a:defRPr sz="1800" kern="1200">
+                    <a:solidFill>
+                      <a:schemeClr val="lt1"/>
+                    </a:solidFill>
+                    <a:latin typeface="+mn-lt"/>
+                    <a:ea typeface="+mn-ea"/>
+                    <a:cs typeface="+mn-cs"/>
+                  </a:defRPr>
+                </a:lvl6pPr>
+                <a:lvl7pPr marL="2743200" algn="l" defTabSz="914400" rtl="0" eaLnBrk="1" latinLnBrk="0" hangingPunct="1">
+                  <a:defRPr sz="1800" kern="1200">
+                    <a:solidFill>
+                      <a:schemeClr val="lt1"/>
+                    </a:solidFill>
+                    <a:latin typeface="+mn-lt"/>
+                    <a:ea typeface="+mn-ea"/>
+                    <a:cs typeface="+mn-cs"/>
+                  </a:defRPr>
+                </a:lvl7pPr>
+                <a:lvl8pPr marL="3200400" algn="l" defTabSz="914400" rtl="0" eaLnBrk="1" latinLnBrk="0" hangingPunct="1">
+                  <a:defRPr sz="1800" kern="1200">
+                    <a:solidFill>
+                      <a:schemeClr val="lt1"/>
+                    </a:solidFill>
+                    <a:latin typeface="+mn-lt"/>
+                    <a:ea typeface="+mn-ea"/>
+                    <a:cs typeface="+mn-cs"/>
+                  </a:defRPr>
+                </a:lvl8pPr>
+                <a:lvl9pPr marL="3657600" algn="l" defTabSz="914400" rtl="0" eaLnBrk="1" latinLnBrk="0" hangingPunct="1">
+                  <a:defRPr sz="1800" kern="1200">
+                    <a:solidFill>
+                      <a:schemeClr val="lt1"/>
+                    </a:solidFill>
+                    <a:latin typeface="+mn-lt"/>
+                    <a:ea typeface="+mn-ea"/>
+                    <a:cs typeface="+mn-cs"/>
+                  </a:defRPr>
+                </a:lvl9pPr>
+              </a:lstStyle>
+              <a:p>
+                <a:pPr algn="ctr"/>
+                <a:endParaRPr lang="en-US"/>
+              </a:p>
+            </p:txBody>
+          </p:sp>
+        </p:grpSp>
+        <p:sp>
+          <p:nvSpPr>
+            <p:cNvPr id="71" name="Isosceles Triangle 70">
+              <a:extLst>
+                <a:ext uri="{FF2B5EF4-FFF2-40B4-BE49-F238E27FC236}">
+                  <a16:creationId xmlns:a16="http://schemas.microsoft.com/office/drawing/2014/main" id="{77ECE99E-5C9A-47C6-93AF-F68F17596A1F}"/>
+                </a:ext>
+              </a:extLst>
+            </p:cNvPr>
+            <p:cNvSpPr/>
+            <p:nvPr/>
+          </p:nvSpPr>
+          <p:spPr>
+            <a:xfrm flipV="1">
+              <a:off x="3750456" y="2751315"/>
+              <a:ext cx="141251" cy="180211"/>
+            </a:xfrm>
+            <a:prstGeom prst="triangle">
+              <a:avLst/>
+            </a:prstGeom>
+            <a:solidFill>
+              <a:srgbClr val="C00000"/>
+            </a:solidFill>
+          </p:spPr>
+          <p:style>
+            <a:lnRef idx="2">
+              <a:schemeClr val="accent1">
+                <a:shade val="50000"/>
+              </a:schemeClr>
+            </a:lnRef>
+            <a:fillRef idx="1">
+              <a:schemeClr val="accent1"/>
+            </a:fillRef>
+            <a:effectRef idx="0">
+              <a:schemeClr val="accent1"/>
+            </a:effectRef>
+            <a:fontRef idx="minor">
+              <a:schemeClr val="lt1"/>
+            </a:fontRef>
+          </p:style>
+          <p:txBody>
+            <a:bodyPr rtlCol="0" anchor="ctr"/>
+            <a:lstStyle>
+              <a:defPPr>
+                <a:defRPr lang="en-US"/>
+              </a:defPPr>
+              <a:lvl1pPr marL="0" algn="l" defTabSz="914400" rtl="0" eaLnBrk="1" latinLnBrk="0" hangingPunct="1">
+                <a:defRPr sz="1800" kern="1200">
+                  <a:solidFill>
+                    <a:schemeClr val="lt1"/>
+                  </a:solidFill>
+                  <a:latin typeface="+mn-lt"/>
+                  <a:ea typeface="+mn-ea"/>
+                  <a:cs typeface="+mn-cs"/>
+                </a:defRPr>
+              </a:lvl1pPr>
+              <a:lvl2pPr marL="457200" algn="l" defTabSz="914400" rtl="0" eaLnBrk="1" latinLnBrk="0" hangingPunct="1">
+                <a:defRPr sz="1800" kern="1200">
+                  <a:solidFill>
+                    <a:schemeClr val="lt1"/>
+                  </a:solidFill>
+                  <a:latin typeface="+mn-lt"/>
+                  <a:ea typeface="+mn-ea"/>
+                  <a:cs typeface="+mn-cs"/>
+                </a:defRPr>
+              </a:lvl2pPr>
+              <a:lvl3pPr marL="914400" algn="l" defTabSz="914400" rtl="0" eaLnBrk="1" latinLnBrk="0" hangingPunct="1">
+                <a:defRPr sz="1800" kern="1200">
+                  <a:solidFill>
+                    <a:schemeClr val="lt1"/>
+                  </a:solidFill>
+                  <a:latin typeface="+mn-lt"/>
+                  <a:ea typeface="+mn-ea"/>
+                  <a:cs typeface="+mn-cs"/>
+                </a:defRPr>
+              </a:lvl3pPr>
+              <a:lvl4pPr marL="1371600" algn="l" defTabSz="914400" rtl="0" eaLnBrk="1" latinLnBrk="0" hangingPunct="1">
+                <a:defRPr sz="1800" kern="1200">
+                  <a:solidFill>
+                    <a:schemeClr val="lt1"/>
+                  </a:solidFill>
+                  <a:latin typeface="+mn-lt"/>
+                  <a:ea typeface="+mn-ea"/>
+                  <a:cs typeface="+mn-cs"/>
+                </a:defRPr>
+              </a:lvl4pPr>
+              <a:lvl5pPr marL="1828800" algn="l" defTabSz="914400" rtl="0" eaLnBrk="1" latinLnBrk="0" hangingPunct="1">
+                <a:defRPr sz="1800" kern="1200">
+                  <a:solidFill>
+                    <a:schemeClr val="lt1"/>
+                  </a:solidFill>
+                  <a:latin typeface="+mn-lt"/>
+                  <a:ea typeface="+mn-ea"/>
+                  <a:cs typeface="+mn-cs"/>
+                </a:defRPr>
+              </a:lvl5pPr>
+              <a:lvl6pPr marL="2286000" algn="l" defTabSz="914400" rtl="0" eaLnBrk="1" latinLnBrk="0" hangingPunct="1">
+                <a:defRPr sz="1800" kern="1200">
+                  <a:solidFill>
+                    <a:schemeClr val="lt1"/>
+                  </a:solidFill>
+                  <a:latin typeface="+mn-lt"/>
+                  <a:ea typeface="+mn-ea"/>
+                  <a:cs typeface="+mn-cs"/>
+                </a:defRPr>
+              </a:lvl6pPr>
+              <a:lvl7pPr marL="2743200" algn="l" defTabSz="914400" rtl="0" eaLnBrk="1" latinLnBrk="0" hangingPunct="1">
+                <a:defRPr sz="1800" kern="1200">
+                  <a:solidFill>
+                    <a:schemeClr val="lt1"/>
+                  </a:solidFill>
+                  <a:latin typeface="+mn-lt"/>
+                  <a:ea typeface="+mn-ea"/>
+                  <a:cs typeface="+mn-cs"/>
+                </a:defRPr>
+              </a:lvl7pPr>
+              <a:lvl8pPr marL="3200400" algn="l" defTabSz="914400" rtl="0" eaLnBrk="1" latinLnBrk="0" hangingPunct="1">
+                <a:defRPr sz="1800" kern="1200">
+                  <a:solidFill>
+                    <a:schemeClr val="lt1"/>
+                  </a:solidFill>
+                  <a:latin typeface="+mn-lt"/>
+                  <a:ea typeface="+mn-ea"/>
+                  <a:cs typeface="+mn-cs"/>
+                </a:defRPr>
+              </a:lvl8pPr>
+              <a:lvl9pPr marL="3657600" algn="l" defTabSz="914400" rtl="0" eaLnBrk="1" latinLnBrk="0" hangingPunct="1">
+                <a:defRPr sz="1800" kern="1200">
+                  <a:solidFill>
+                    <a:schemeClr val="lt1"/>
+                  </a:solidFill>
+                  <a:latin typeface="+mn-lt"/>
+                  <a:ea typeface="+mn-ea"/>
+                  <a:cs typeface="+mn-cs"/>
+                </a:defRPr>
+              </a:lvl9pPr>
+            </a:lstStyle>
+            <a:p>
+              <a:pPr algn="ctr"/>
+              <a:endParaRPr lang="en-US"/>
+            </a:p>
+          </p:txBody>
+        </p:sp>
+      </p:grpSp>
+      <p:sp>
+        <p:nvSpPr>
+          <p:cNvPr id="68" name="Rounded Rectangle 14">
+            <a:extLst>
+              <a:ext uri="{FF2B5EF4-FFF2-40B4-BE49-F238E27FC236}">
+                <a16:creationId xmlns:a16="http://schemas.microsoft.com/office/drawing/2014/main" id="{5D02AFCA-46E6-412A-A765-FC19F356CF5A}"/>
+              </a:ext>
+            </a:extLst>
+          </p:cNvPr>
+          <p:cNvSpPr/>
+          <p:nvPr/>
+        </p:nvSpPr>
+        <p:spPr>
+          <a:xfrm>
+            <a:off x="8312096" y="3843415"/>
+            <a:ext cx="2126628" cy="664098"/>
+          </a:xfrm>
+          <a:prstGeom prst="roundRect">
+            <a:avLst/>
+          </a:prstGeom>
+          <a:ln/>
+        </p:spPr>
+        <p:style>
+          <a:lnRef idx="2">
+            <a:schemeClr val="accent5">
+              <a:shade val="50000"/>
+            </a:schemeClr>
+          </a:lnRef>
+          <a:fillRef idx="1">
+            <a:schemeClr val="accent5"/>
+          </a:fillRef>
+          <a:effectRef idx="0">
+            <a:schemeClr val="accent5"/>
+          </a:effectRef>
+          <a:fontRef idx="minor">
+            <a:schemeClr val="lt1"/>
+          </a:fontRef>
+        </p:style>
+        <p:txBody>
+          <a:bodyPr rtlCol="0" anchor="ctr"/>
+          <a:lstStyle>
+            <a:defPPr>
+              <a:defRPr lang="en-US"/>
+            </a:defPPr>
+            <a:lvl1pPr marL="0" algn="l" defTabSz="914400" rtl="0" eaLnBrk="1" latinLnBrk="0" hangingPunct="1">
+              <a:defRPr sz="1800" kern="1200">
+                <a:solidFill>
+                  <a:schemeClr val="lt1"/>
+                </a:solidFill>
+                <a:latin typeface="+mn-lt"/>
+                <a:ea typeface="+mn-ea"/>
+                <a:cs typeface="+mn-cs"/>
+              </a:defRPr>
+            </a:lvl1pPr>
+            <a:lvl2pPr marL="457200" algn="l" defTabSz="914400" rtl="0" eaLnBrk="1" latinLnBrk="0" hangingPunct="1">
+              <a:defRPr sz="1800" kern="1200">
+                <a:solidFill>
+                  <a:schemeClr val="lt1"/>
+                </a:solidFill>
+                <a:latin typeface="+mn-lt"/>
+                <a:ea typeface="+mn-ea"/>
+                <a:cs typeface="+mn-cs"/>
+              </a:defRPr>
+            </a:lvl2pPr>
+            <a:lvl3pPr marL="914400" algn="l" defTabSz="914400" rtl="0" eaLnBrk="1" latinLnBrk="0" hangingPunct="1">
+              <a:defRPr sz="1800" kern="1200">
+                <a:solidFill>
+                  <a:schemeClr val="lt1"/>
+                </a:solidFill>
+                <a:latin typeface="+mn-lt"/>
+                <a:ea typeface="+mn-ea"/>
+                <a:cs typeface="+mn-cs"/>
+              </a:defRPr>
+            </a:lvl3pPr>
+            <a:lvl4pPr marL="1371600" algn="l" defTabSz="914400" rtl="0" eaLnBrk="1" latinLnBrk="0" hangingPunct="1">
+              <a:defRPr sz="1800" kern="1200">
+                <a:solidFill>
+                  <a:schemeClr val="lt1"/>
+                </a:solidFill>
+                <a:latin typeface="+mn-lt"/>
+                <a:ea typeface="+mn-ea"/>
+                <a:cs typeface="+mn-cs"/>
+              </a:defRPr>
+            </a:lvl4pPr>
+            <a:lvl5pPr marL="1828800" algn="l" defTabSz="914400" rtl="0" eaLnBrk="1" latinLnBrk="0" hangingPunct="1">
+              <a:defRPr sz="1800" kern="1200">
+                <a:solidFill>
+                  <a:schemeClr val="lt1"/>
+                </a:solidFill>
+                <a:latin typeface="+mn-lt"/>
+                <a:ea typeface="+mn-ea"/>
+                <a:cs typeface="+mn-cs"/>
+              </a:defRPr>
+            </a:lvl5pPr>
+            <a:lvl6pPr marL="2286000" algn="l" defTabSz="914400" rtl="0" eaLnBrk="1" latinLnBrk="0" hangingPunct="1">
+              <a:defRPr sz="1800" kern="1200">
+                <a:solidFill>
+                  <a:schemeClr val="lt1"/>
+                </a:solidFill>
+                <a:latin typeface="+mn-lt"/>
+                <a:ea typeface="+mn-ea"/>
+                <a:cs typeface="+mn-cs"/>
+              </a:defRPr>
+            </a:lvl6pPr>
+            <a:lvl7pPr marL="2743200" algn="l" defTabSz="914400" rtl="0" eaLnBrk="1" latinLnBrk="0" hangingPunct="1">
+              <a:defRPr sz="1800" kern="1200">
+                <a:solidFill>
+                  <a:schemeClr val="lt1"/>
+                </a:solidFill>
+                <a:latin typeface="+mn-lt"/>
+                <a:ea typeface="+mn-ea"/>
+                <a:cs typeface="+mn-cs"/>
+              </a:defRPr>
+            </a:lvl7pPr>
+            <a:lvl8pPr marL="3200400" algn="l" defTabSz="914400" rtl="0" eaLnBrk="1" latinLnBrk="0" hangingPunct="1">
+              <a:defRPr sz="1800" kern="1200">
+                <a:solidFill>
+                  <a:schemeClr val="lt1"/>
+                </a:solidFill>
+                <a:latin typeface="+mn-lt"/>
+                <a:ea typeface="+mn-ea"/>
+                <a:cs typeface="+mn-cs"/>
+              </a:defRPr>
+            </a:lvl8pPr>
+            <a:lvl9pPr marL="3657600" algn="l" defTabSz="914400" rtl="0" eaLnBrk="1" latinLnBrk="0" hangingPunct="1">
+              <a:defRPr sz="1800" kern="1200">
+                <a:solidFill>
+                  <a:schemeClr val="lt1"/>
+                </a:solidFill>
+                <a:latin typeface="+mn-lt"/>
+                <a:ea typeface="+mn-ea"/>
+                <a:cs typeface="+mn-cs"/>
+              </a:defRPr>
+            </a:lvl9pPr>
+          </a:lstStyle>
+          <a:p>
+            <a:pPr algn="ctr"/>
+            <a:r>
+              <a:rPr lang="en-US" dirty="0"/>
+              <a:t>COMM</a:t>
+            </a:r>
+          </a:p>
+        </p:txBody>
+      </p:sp>
+      <p:sp>
+        <p:nvSpPr>
+          <p:cNvPr id="69" name="Rounded Rectangle 14">
+            <a:extLst>
+              <a:ext uri="{FF2B5EF4-FFF2-40B4-BE49-F238E27FC236}">
+                <a16:creationId xmlns:a16="http://schemas.microsoft.com/office/drawing/2014/main" id="{0EE46757-4635-4224-BA63-571707CDBA1A}"/>
+              </a:ext>
+            </a:extLst>
+          </p:cNvPr>
+          <p:cNvSpPr/>
+          <p:nvPr/>
+        </p:nvSpPr>
+        <p:spPr>
+          <a:xfrm>
+            <a:off x="8325444" y="4755415"/>
+            <a:ext cx="2126628" cy="664098"/>
+          </a:xfrm>
+          <a:prstGeom prst="roundRect">
+            <a:avLst/>
+          </a:prstGeom>
+          <a:ln/>
+        </p:spPr>
+        <p:style>
+          <a:lnRef idx="2">
+            <a:schemeClr val="accent5">
+              <a:shade val="50000"/>
+            </a:schemeClr>
+          </a:lnRef>
+          <a:fillRef idx="1">
+            <a:schemeClr val="accent5"/>
+          </a:fillRef>
+          <a:effectRef idx="0">
+            <a:schemeClr val="accent5"/>
+          </a:effectRef>
+          <a:fontRef idx="minor">
+            <a:schemeClr val="lt1"/>
+          </a:fontRef>
+        </p:style>
+        <p:txBody>
+          <a:bodyPr rtlCol="0" anchor="ctr"/>
+          <a:lstStyle>
+            <a:defPPr>
+              <a:defRPr lang="en-US"/>
+            </a:defPPr>
+            <a:lvl1pPr marL="0" algn="l" defTabSz="914400" rtl="0" eaLnBrk="1" latinLnBrk="0" hangingPunct="1">
+              <a:defRPr sz="1800" kern="1200">
+                <a:solidFill>
+                  <a:schemeClr val="lt1"/>
+                </a:solidFill>
+                <a:latin typeface="+mn-lt"/>
+                <a:ea typeface="+mn-ea"/>
+                <a:cs typeface="+mn-cs"/>
+              </a:defRPr>
+            </a:lvl1pPr>
+            <a:lvl2pPr marL="457200" algn="l" defTabSz="914400" rtl="0" eaLnBrk="1" latinLnBrk="0" hangingPunct="1">
+              <a:defRPr sz="1800" kern="1200">
+                <a:solidFill>
+                  <a:schemeClr val="lt1"/>
+                </a:solidFill>
+                <a:latin typeface="+mn-lt"/>
+                <a:ea typeface="+mn-ea"/>
+                <a:cs typeface="+mn-cs"/>
+              </a:defRPr>
+            </a:lvl2pPr>
+            <a:lvl3pPr marL="914400" algn="l" defTabSz="914400" rtl="0" eaLnBrk="1" latinLnBrk="0" hangingPunct="1">
+              <a:defRPr sz="1800" kern="1200">
+                <a:solidFill>
+                  <a:schemeClr val="lt1"/>
+                </a:solidFill>
+                <a:latin typeface="+mn-lt"/>
+                <a:ea typeface="+mn-ea"/>
+                <a:cs typeface="+mn-cs"/>
+              </a:defRPr>
+            </a:lvl3pPr>
+            <a:lvl4pPr marL="1371600" algn="l" defTabSz="914400" rtl="0" eaLnBrk="1" latinLnBrk="0" hangingPunct="1">
+              <a:defRPr sz="1800" kern="1200">
+                <a:solidFill>
+                  <a:schemeClr val="lt1"/>
+                </a:solidFill>
+                <a:latin typeface="+mn-lt"/>
+                <a:ea typeface="+mn-ea"/>
+                <a:cs typeface="+mn-cs"/>
+              </a:defRPr>
+            </a:lvl4pPr>
+            <a:lvl5pPr marL="1828800" algn="l" defTabSz="914400" rtl="0" eaLnBrk="1" latinLnBrk="0" hangingPunct="1">
+              <a:defRPr sz="1800" kern="1200">
+                <a:solidFill>
+                  <a:schemeClr val="lt1"/>
+                </a:solidFill>
+                <a:latin typeface="+mn-lt"/>
+                <a:ea typeface="+mn-ea"/>
+                <a:cs typeface="+mn-cs"/>
+              </a:defRPr>
+            </a:lvl5pPr>
+            <a:lvl6pPr marL="2286000" algn="l" defTabSz="914400" rtl="0" eaLnBrk="1" latinLnBrk="0" hangingPunct="1">
+              <a:defRPr sz="1800" kern="1200">
+                <a:solidFill>
+                  <a:schemeClr val="lt1"/>
+                </a:solidFill>
+                <a:latin typeface="+mn-lt"/>
+                <a:ea typeface="+mn-ea"/>
+                <a:cs typeface="+mn-cs"/>
+              </a:defRPr>
+            </a:lvl6pPr>
+            <a:lvl7pPr marL="2743200" algn="l" defTabSz="914400" rtl="0" eaLnBrk="1" latinLnBrk="0" hangingPunct="1">
+              <a:defRPr sz="1800" kern="1200">
+                <a:solidFill>
+                  <a:schemeClr val="lt1"/>
+                </a:solidFill>
+                <a:latin typeface="+mn-lt"/>
+                <a:ea typeface="+mn-ea"/>
+                <a:cs typeface="+mn-cs"/>
+              </a:defRPr>
+            </a:lvl7pPr>
+            <a:lvl8pPr marL="3200400" algn="l" defTabSz="914400" rtl="0" eaLnBrk="1" latinLnBrk="0" hangingPunct="1">
+              <a:defRPr sz="1800" kern="1200">
+                <a:solidFill>
+                  <a:schemeClr val="lt1"/>
+                </a:solidFill>
+                <a:latin typeface="+mn-lt"/>
+                <a:ea typeface="+mn-ea"/>
+                <a:cs typeface="+mn-cs"/>
+              </a:defRPr>
+            </a:lvl8pPr>
+            <a:lvl9pPr marL="3657600" algn="l" defTabSz="914400" rtl="0" eaLnBrk="1" latinLnBrk="0" hangingPunct="1">
+              <a:defRPr sz="1800" kern="1200">
+                <a:solidFill>
+                  <a:schemeClr val="lt1"/>
+                </a:solidFill>
+                <a:latin typeface="+mn-lt"/>
+                <a:ea typeface="+mn-ea"/>
+                <a:cs typeface="+mn-cs"/>
+              </a:defRPr>
+            </a:lvl9pPr>
+          </a:lstStyle>
+          <a:p>
+            <a:pPr algn="ctr"/>
+            <a:r>
+              <a:rPr lang="en-US" dirty="0"/>
+              <a:t>PDU Router</a:t>
+            </a:r>
+          </a:p>
+        </p:txBody>
+      </p:sp>
     </p:spTree>
     <p:extLst>
       <p:ext uri="{BB962C8B-B14F-4D97-AF65-F5344CB8AC3E}">

--- a/ECU1/Layered Architecture.pptx
+++ b/ECU1/Layered Architecture.pptx
@@ -241,7 +241,7 @@
           <a:p>
             <a:fld id="{FBAD6444-CDEB-4A53-A199-15DDBCDF3A15}" type="datetimeFigureOut">
               <a:rPr lang="en-US" smtClean="0"/>
-              <a:t>4/19/2020</a:t>
+              <a:t>2020-04-19</a:t>
             </a:fld>
             <a:endParaRPr lang="en-US"/>
           </a:p>
@@ -409,7 +409,7 @@
           <a:p>
             <a:fld id="{FBAD6444-CDEB-4A53-A199-15DDBCDF3A15}" type="datetimeFigureOut">
               <a:rPr lang="en-US" smtClean="0"/>
-              <a:t>4/19/2020</a:t>
+              <a:t>2020-04-19</a:t>
             </a:fld>
             <a:endParaRPr lang="en-US"/>
           </a:p>
@@ -587,7 +587,7 @@
           <a:p>
             <a:fld id="{FBAD6444-CDEB-4A53-A199-15DDBCDF3A15}" type="datetimeFigureOut">
               <a:rPr lang="en-US" smtClean="0"/>
-              <a:t>4/19/2020</a:t>
+              <a:t>2020-04-19</a:t>
             </a:fld>
             <a:endParaRPr lang="en-US"/>
           </a:p>
@@ -755,7 +755,7 @@
           <a:p>
             <a:fld id="{FBAD6444-CDEB-4A53-A199-15DDBCDF3A15}" type="datetimeFigureOut">
               <a:rPr lang="en-US" smtClean="0"/>
-              <a:t>4/19/2020</a:t>
+              <a:t>2020-04-19</a:t>
             </a:fld>
             <a:endParaRPr lang="en-US"/>
           </a:p>
@@ -1000,7 +1000,7 @@
           <a:p>
             <a:fld id="{FBAD6444-CDEB-4A53-A199-15DDBCDF3A15}" type="datetimeFigureOut">
               <a:rPr lang="en-US" smtClean="0"/>
-              <a:t>4/19/2020</a:t>
+              <a:t>2020-04-19</a:t>
             </a:fld>
             <a:endParaRPr lang="en-US"/>
           </a:p>
@@ -1229,7 +1229,7 @@
           <a:p>
             <a:fld id="{FBAD6444-CDEB-4A53-A199-15DDBCDF3A15}" type="datetimeFigureOut">
               <a:rPr lang="en-US" smtClean="0"/>
-              <a:t>4/19/2020</a:t>
+              <a:t>2020-04-19</a:t>
             </a:fld>
             <a:endParaRPr lang="en-US"/>
           </a:p>
@@ -1593,7 +1593,7 @@
           <a:p>
             <a:fld id="{FBAD6444-CDEB-4A53-A199-15DDBCDF3A15}" type="datetimeFigureOut">
               <a:rPr lang="en-US" smtClean="0"/>
-              <a:t>4/19/2020</a:t>
+              <a:t>2020-04-19</a:t>
             </a:fld>
             <a:endParaRPr lang="en-US"/>
           </a:p>
@@ -1710,7 +1710,7 @@
           <a:p>
             <a:fld id="{FBAD6444-CDEB-4A53-A199-15DDBCDF3A15}" type="datetimeFigureOut">
               <a:rPr lang="en-US" smtClean="0"/>
-              <a:t>4/19/2020</a:t>
+              <a:t>2020-04-19</a:t>
             </a:fld>
             <a:endParaRPr lang="en-US"/>
           </a:p>
@@ -1805,7 +1805,7 @@
           <a:p>
             <a:fld id="{FBAD6444-CDEB-4A53-A199-15DDBCDF3A15}" type="datetimeFigureOut">
               <a:rPr lang="en-US" smtClean="0"/>
-              <a:t>4/19/2020</a:t>
+              <a:t>2020-04-19</a:t>
             </a:fld>
             <a:endParaRPr lang="en-US"/>
           </a:p>
@@ -2080,7 +2080,7 @@
           <a:p>
             <a:fld id="{FBAD6444-CDEB-4A53-A199-15DDBCDF3A15}" type="datetimeFigureOut">
               <a:rPr lang="en-US" smtClean="0"/>
-              <a:t>4/19/2020</a:t>
+              <a:t>2020-04-19</a:t>
             </a:fld>
             <a:endParaRPr lang="en-US"/>
           </a:p>
@@ -2332,7 +2332,7 @@
           <a:p>
             <a:fld id="{FBAD6444-CDEB-4A53-A199-15DDBCDF3A15}" type="datetimeFigureOut">
               <a:rPr lang="en-US" smtClean="0"/>
-              <a:t>4/19/2020</a:t>
+              <a:t>2020-04-19</a:t>
             </a:fld>
             <a:endParaRPr lang="en-US"/>
           </a:p>
@@ -2543,7 +2543,7 @@
           <a:p>
             <a:fld id="{FBAD6444-CDEB-4A53-A199-15DDBCDF3A15}" type="datetimeFigureOut">
               <a:rPr lang="en-US" smtClean="0"/>
-              <a:t>4/19/2020</a:t>
+              <a:t>2020-04-19</a:t>
             </a:fld>
             <a:endParaRPr lang="en-US"/>
           </a:p>
@@ -2948,6 +2948,306 @@
           <a:chExt cx="0" cy="0"/>
         </a:xfrm>
       </p:grpSpPr>
+      <p:sp>
+        <p:nvSpPr>
+          <p:cNvPr id="88" name="Rectangle 87">
+            <a:extLst>
+              <a:ext uri="{FF2B5EF4-FFF2-40B4-BE49-F238E27FC236}">
+                <a16:creationId xmlns:a16="http://schemas.microsoft.com/office/drawing/2014/main" id="{6572BA62-1602-43D0-BAFB-FB8D3C928E50}"/>
+              </a:ext>
+            </a:extLst>
+          </p:cNvPr>
+          <p:cNvSpPr/>
+          <p:nvPr/>
+        </p:nvSpPr>
+        <p:spPr>
+          <a:xfrm>
+            <a:off x="1216241" y="502928"/>
+            <a:ext cx="9676660" cy="1828800"/>
+          </a:xfrm>
+          <a:prstGeom prst="rect">
+            <a:avLst/>
+          </a:prstGeom>
+          <a:solidFill>
+            <a:schemeClr val="accent1">
+              <a:alpha val="50000"/>
+            </a:schemeClr>
+          </a:solidFill>
+          <a:ln>
+            <a:noFill/>
+          </a:ln>
+        </p:spPr>
+        <p:style>
+          <a:lnRef idx="0">
+            <a:scrgbClr r="0" g="0" b="0"/>
+          </a:lnRef>
+          <a:fillRef idx="0">
+            <a:scrgbClr r="0" g="0" b="0"/>
+          </a:fillRef>
+          <a:effectRef idx="0">
+            <a:scrgbClr r="0" g="0" b="0"/>
+          </a:effectRef>
+          <a:fontRef idx="minor">
+            <a:schemeClr val="lt1"/>
+          </a:fontRef>
+        </p:style>
+        <p:txBody>
+          <a:bodyPr rtlCol="0" anchor="ctr"/>
+          <a:lstStyle/>
+          <a:p>
+            <a:pPr algn="ctr"/>
+            <a:endParaRPr lang="en-US" dirty="0"/>
+          </a:p>
+        </p:txBody>
+      </p:sp>
+      <p:sp>
+        <p:nvSpPr>
+          <p:cNvPr id="8" name="Rectangle 7">
+            <a:extLst>
+              <a:ext uri="{FF2B5EF4-FFF2-40B4-BE49-F238E27FC236}">
+                <a16:creationId xmlns:a16="http://schemas.microsoft.com/office/drawing/2014/main" id="{26DFAE41-0A9B-4AB9-BFD0-3A6F525144F4}"/>
+              </a:ext>
+            </a:extLst>
+          </p:cNvPr>
+          <p:cNvSpPr/>
+          <p:nvPr/>
+        </p:nvSpPr>
+        <p:spPr>
+          <a:xfrm>
+            <a:off x="1205644" y="5508188"/>
+            <a:ext cx="1906045" cy="1003440"/>
+          </a:xfrm>
+          <a:prstGeom prst="rect">
+            <a:avLst/>
+          </a:prstGeom>
+          <a:solidFill>
+            <a:schemeClr val="tx1">
+              <a:lumMod val="50000"/>
+              <a:lumOff val="50000"/>
+            </a:schemeClr>
+          </a:solidFill>
+        </p:spPr>
+        <p:style>
+          <a:lnRef idx="2">
+            <a:schemeClr val="accent1">
+              <a:shade val="50000"/>
+            </a:schemeClr>
+          </a:lnRef>
+          <a:fillRef idx="1">
+            <a:schemeClr val="accent1"/>
+          </a:fillRef>
+          <a:effectRef idx="0">
+            <a:schemeClr val="accent1"/>
+          </a:effectRef>
+          <a:fontRef idx="minor">
+            <a:schemeClr val="lt1"/>
+          </a:fontRef>
+        </p:style>
+        <p:txBody>
+          <a:bodyPr rtlCol="0" anchor="ctr"/>
+          <a:lstStyle/>
+          <a:p>
+            <a:pPr algn="ctr"/>
+            <a:endParaRPr lang="en-US"/>
+          </a:p>
+        </p:txBody>
+      </p:sp>
+      <p:sp>
+        <p:nvSpPr>
+          <p:cNvPr id="5" name="Rectangle 4"/>
+          <p:cNvSpPr/>
+          <p:nvPr/>
+        </p:nvSpPr>
+        <p:spPr>
+          <a:xfrm>
+            <a:off x="1205644" y="2465448"/>
+            <a:ext cx="9676660" cy="1090149"/>
+          </a:xfrm>
+          <a:prstGeom prst="rect">
+            <a:avLst/>
+          </a:prstGeom>
+          <a:solidFill>
+            <a:schemeClr val="accent3">
+              <a:alpha val="50000"/>
+            </a:schemeClr>
+          </a:solidFill>
+          <a:ln>
+            <a:noFill/>
+          </a:ln>
+        </p:spPr>
+        <p:style>
+          <a:lnRef idx="0">
+            <a:scrgbClr r="0" g="0" b="0"/>
+          </a:lnRef>
+          <a:fillRef idx="0">
+            <a:scrgbClr r="0" g="0" b="0"/>
+          </a:fillRef>
+          <a:effectRef idx="0">
+            <a:scrgbClr r="0" g="0" b="0"/>
+          </a:effectRef>
+          <a:fontRef idx="minor">
+            <a:schemeClr val="lt1"/>
+          </a:fontRef>
+        </p:style>
+        <p:txBody>
+          <a:bodyPr rtlCol="0" anchor="ctr"/>
+          <a:lstStyle/>
+          <a:p>
+            <a:pPr algn="ctr"/>
+            <a:r>
+              <a:rPr lang="en-US" sz="4800" b="1" dirty="0">
+                <a:solidFill>
+                  <a:schemeClr val="tx1"/>
+                </a:solidFill>
+                <a:latin typeface="Times New Roman" panose="02020603050405020304" pitchFamily="18" charset="0"/>
+                <a:cs typeface="Times New Roman" panose="02020603050405020304" pitchFamily="18" charset="0"/>
+              </a:rPr>
+              <a:t>RTE</a:t>
+            </a:r>
+          </a:p>
+        </p:txBody>
+      </p:sp>
+      <p:sp>
+        <p:nvSpPr>
+          <p:cNvPr id="4" name="Rectangle 3"/>
+          <p:cNvSpPr/>
+          <p:nvPr/>
+        </p:nvSpPr>
+        <p:spPr>
+          <a:xfrm>
+            <a:off x="1216241" y="522697"/>
+            <a:ext cx="9676660" cy="1828800"/>
+          </a:xfrm>
+          <a:prstGeom prst="rect">
+            <a:avLst/>
+          </a:prstGeom>
+          <a:solidFill>
+            <a:schemeClr val="accent1">
+              <a:alpha val="50000"/>
+            </a:schemeClr>
+          </a:solidFill>
+          <a:ln>
+            <a:noFill/>
+          </a:ln>
+        </p:spPr>
+        <p:style>
+          <a:lnRef idx="0">
+            <a:scrgbClr r="0" g="0" b="0"/>
+          </a:lnRef>
+          <a:fillRef idx="0">
+            <a:scrgbClr r="0" g="0" b="0"/>
+          </a:fillRef>
+          <a:effectRef idx="0">
+            <a:scrgbClr r="0" g="0" b="0"/>
+          </a:effectRef>
+          <a:fontRef idx="minor">
+            <a:schemeClr val="lt1"/>
+          </a:fontRef>
+        </p:style>
+        <p:txBody>
+          <a:bodyPr rtlCol="0" anchor="ctr"/>
+          <a:lstStyle/>
+          <a:p>
+            <a:pPr algn="ctr"/>
+            <a:endParaRPr lang="en-US"/>
+          </a:p>
+        </p:txBody>
+      </p:sp>
+      <p:sp>
+        <p:nvSpPr>
+          <p:cNvPr id="6" name="Rectangle 5"/>
+          <p:cNvSpPr/>
+          <p:nvPr/>
+        </p:nvSpPr>
+        <p:spPr>
+          <a:xfrm>
+            <a:off x="1205644" y="3698000"/>
+            <a:ext cx="9682668" cy="1810188"/>
+          </a:xfrm>
+          <a:prstGeom prst="rect">
+            <a:avLst/>
+          </a:prstGeom>
+          <a:solidFill>
+            <a:schemeClr val="dk1">
+              <a:alpha val="50000"/>
+            </a:schemeClr>
+          </a:solidFill>
+          <a:ln>
+            <a:noFill/>
+          </a:ln>
+        </p:spPr>
+        <p:style>
+          <a:lnRef idx="0">
+            <a:scrgbClr r="0" g="0" b="0"/>
+          </a:lnRef>
+          <a:fillRef idx="0">
+            <a:scrgbClr r="0" g="0" b="0"/>
+          </a:fillRef>
+          <a:effectRef idx="0">
+            <a:scrgbClr r="0" g="0" b="0"/>
+          </a:effectRef>
+          <a:fontRef idx="minor">
+            <a:schemeClr val="lt1"/>
+          </a:fontRef>
+        </p:style>
+        <p:txBody>
+          <a:bodyPr rtlCol="0" anchor="ctr"/>
+          <a:lstStyle/>
+          <a:p>
+            <a:pPr algn="ctr"/>
+            <a:endParaRPr lang="en-US" dirty="0"/>
+          </a:p>
+        </p:txBody>
+      </p:sp>
+      <p:sp>
+        <p:nvSpPr>
+          <p:cNvPr id="7" name="Rectangle 6">
+            <a:extLst>
+              <a:ext uri="{FF2B5EF4-FFF2-40B4-BE49-F238E27FC236}">
+                <a16:creationId xmlns:a16="http://schemas.microsoft.com/office/drawing/2014/main" id="{4DED3980-4495-4631-9138-16CE3A553AFE}"/>
+              </a:ext>
+            </a:extLst>
+          </p:cNvPr>
+          <p:cNvSpPr/>
+          <p:nvPr/>
+        </p:nvSpPr>
+        <p:spPr>
+          <a:xfrm>
+            <a:off x="3295672" y="5610500"/>
+            <a:ext cx="7520348" cy="840413"/>
+          </a:xfrm>
+          <a:prstGeom prst="rect">
+            <a:avLst/>
+          </a:prstGeom>
+          <a:solidFill>
+            <a:srgbClr val="E98751"/>
+          </a:solidFill>
+        </p:spPr>
+        <p:style>
+          <a:lnRef idx="2">
+            <a:schemeClr val="accent1">
+              <a:shade val="50000"/>
+            </a:schemeClr>
+          </a:lnRef>
+          <a:fillRef idx="1">
+            <a:schemeClr val="accent1"/>
+          </a:fillRef>
+          <a:effectRef idx="0">
+            <a:schemeClr val="accent1"/>
+          </a:effectRef>
+          <a:fontRef idx="minor">
+            <a:schemeClr val="lt1"/>
+          </a:fontRef>
+        </p:style>
+        <p:txBody>
+          <a:bodyPr rtlCol="0" anchor="ctr"/>
+          <a:lstStyle/>
+          <a:p>
+            <a:pPr algn="ctr"/>
+            <a:endParaRPr lang="en-US"/>
+          </a:p>
+        </p:txBody>
+      </p:sp>
       <p:grpSp>
         <p:nvGrpSpPr>
           <p:cNvPr id="59" name="Group 58">
@@ -3680,153 +3980,6 @@
       </p:grpSp>
       <p:sp>
         <p:nvSpPr>
-          <p:cNvPr id="4" name="Rectangle 3"/>
-          <p:cNvSpPr/>
-          <p:nvPr/>
-        </p:nvSpPr>
-        <p:spPr>
-          <a:xfrm>
-            <a:off x="1216241" y="522697"/>
-            <a:ext cx="9676660" cy="1828800"/>
-          </a:xfrm>
-          <a:prstGeom prst="rect">
-            <a:avLst/>
-          </a:prstGeom>
-          <a:solidFill>
-            <a:schemeClr val="accent1">
-              <a:alpha val="50000"/>
-            </a:schemeClr>
-          </a:solidFill>
-          <a:ln>
-            <a:noFill/>
-          </a:ln>
-        </p:spPr>
-        <p:style>
-          <a:lnRef idx="0">
-            <a:scrgbClr r="0" g="0" b="0"/>
-          </a:lnRef>
-          <a:fillRef idx="0">
-            <a:scrgbClr r="0" g="0" b="0"/>
-          </a:fillRef>
-          <a:effectRef idx="0">
-            <a:scrgbClr r="0" g="0" b="0"/>
-          </a:effectRef>
-          <a:fontRef idx="minor">
-            <a:schemeClr val="lt1"/>
-          </a:fontRef>
-        </p:style>
-        <p:txBody>
-          <a:bodyPr rtlCol="0" anchor="ctr"/>
-          <a:lstStyle/>
-          <a:p>
-            <a:pPr algn="ctr"/>
-            <a:endParaRPr lang="en-US"/>
-          </a:p>
-        </p:txBody>
-      </p:sp>
-      <p:sp>
-        <p:nvSpPr>
-          <p:cNvPr id="5" name="Rectangle 4"/>
-          <p:cNvSpPr/>
-          <p:nvPr/>
-        </p:nvSpPr>
-        <p:spPr>
-          <a:xfrm>
-            <a:off x="1205644" y="2465448"/>
-            <a:ext cx="9676660" cy="1090149"/>
-          </a:xfrm>
-          <a:prstGeom prst="rect">
-            <a:avLst/>
-          </a:prstGeom>
-          <a:solidFill>
-            <a:schemeClr val="accent3">
-              <a:alpha val="50000"/>
-            </a:schemeClr>
-          </a:solidFill>
-          <a:ln>
-            <a:noFill/>
-          </a:ln>
-        </p:spPr>
-        <p:style>
-          <a:lnRef idx="0">
-            <a:scrgbClr r="0" g="0" b="0"/>
-          </a:lnRef>
-          <a:fillRef idx="0">
-            <a:scrgbClr r="0" g="0" b="0"/>
-          </a:fillRef>
-          <a:effectRef idx="0">
-            <a:scrgbClr r="0" g="0" b="0"/>
-          </a:effectRef>
-          <a:fontRef idx="minor">
-            <a:schemeClr val="lt1"/>
-          </a:fontRef>
-        </p:style>
-        <p:txBody>
-          <a:bodyPr rtlCol="0" anchor="ctr"/>
-          <a:lstStyle/>
-          <a:p>
-            <a:pPr algn="ctr"/>
-            <a:r>
-              <a:rPr lang="en-US" sz="4800" b="1" dirty="0">
-                <a:solidFill>
-                  <a:schemeClr val="tx1"/>
-                </a:solidFill>
-                <a:latin typeface="Times New Roman" panose="02020603050405020304" pitchFamily="18" charset="0"/>
-                <a:cs typeface="Times New Roman" panose="02020603050405020304" pitchFamily="18" charset="0"/>
-              </a:rPr>
-              <a:t>RTE</a:t>
-            </a:r>
-          </a:p>
-        </p:txBody>
-      </p:sp>
-      <p:sp>
-        <p:nvSpPr>
-          <p:cNvPr id="6" name="Rectangle 5"/>
-          <p:cNvSpPr/>
-          <p:nvPr/>
-        </p:nvSpPr>
-        <p:spPr>
-          <a:xfrm>
-            <a:off x="1205644" y="3697999"/>
-            <a:ext cx="9682668" cy="2813629"/>
-          </a:xfrm>
-          <a:prstGeom prst="rect">
-            <a:avLst/>
-          </a:prstGeom>
-          <a:solidFill>
-            <a:schemeClr val="dk1">
-              <a:alpha val="50000"/>
-            </a:schemeClr>
-          </a:solidFill>
-          <a:ln>
-            <a:noFill/>
-          </a:ln>
-        </p:spPr>
-        <p:style>
-          <a:lnRef idx="0">
-            <a:scrgbClr r="0" g="0" b="0"/>
-          </a:lnRef>
-          <a:fillRef idx="0">
-            <a:scrgbClr r="0" g="0" b="0"/>
-          </a:fillRef>
-          <a:effectRef idx="0">
-            <a:scrgbClr r="0" g="0" b="0"/>
-          </a:effectRef>
-          <a:fontRef idx="minor">
-            <a:schemeClr val="lt1"/>
-          </a:fontRef>
-        </p:style>
-        <p:txBody>
-          <a:bodyPr rtlCol="0" anchor="ctr"/>
-          <a:lstStyle/>
-          <a:p>
-            <a:pPr algn="ctr"/>
-            <a:endParaRPr lang="en-US"/>
-          </a:p>
-        </p:txBody>
-      </p:sp>
-      <p:sp>
-        <p:nvSpPr>
           <p:cNvPr id="13" name="Rounded Rectangle 12"/>
           <p:cNvSpPr/>
           <p:nvPr/>
@@ -4300,58 +4453,6 @@
       </p:grpSp>
       <p:sp>
         <p:nvSpPr>
-          <p:cNvPr id="88" name="Rectangle 87">
-            <a:extLst>
-              <a:ext uri="{FF2B5EF4-FFF2-40B4-BE49-F238E27FC236}">
-                <a16:creationId xmlns:a16="http://schemas.microsoft.com/office/drawing/2014/main" id="{6572BA62-1602-43D0-BAFB-FB8D3C928E50}"/>
-              </a:ext>
-            </a:extLst>
-          </p:cNvPr>
-          <p:cNvSpPr/>
-          <p:nvPr/>
-        </p:nvSpPr>
-        <p:spPr>
-          <a:xfrm>
-            <a:off x="1216241" y="502928"/>
-            <a:ext cx="9676660" cy="1828800"/>
-          </a:xfrm>
-          <a:prstGeom prst="rect">
-            <a:avLst/>
-          </a:prstGeom>
-          <a:solidFill>
-            <a:schemeClr val="accent1">
-              <a:alpha val="50000"/>
-            </a:schemeClr>
-          </a:solidFill>
-          <a:ln>
-            <a:noFill/>
-          </a:ln>
-        </p:spPr>
-        <p:style>
-          <a:lnRef idx="0">
-            <a:scrgbClr r="0" g="0" b="0"/>
-          </a:lnRef>
-          <a:fillRef idx="0">
-            <a:scrgbClr r="0" g="0" b="0"/>
-          </a:fillRef>
-          <a:effectRef idx="0">
-            <a:scrgbClr r="0" g="0" b="0"/>
-          </a:effectRef>
-          <a:fontRef idx="minor">
-            <a:schemeClr val="lt1"/>
-          </a:fontRef>
-        </p:style>
-        <p:txBody>
-          <a:bodyPr rtlCol="0" anchor="ctr"/>
-          <a:lstStyle/>
-          <a:p>
-            <a:pPr algn="ctr"/>
-            <a:endParaRPr lang="en-US" dirty="0"/>
-          </a:p>
-        </p:txBody>
-      </p:sp>
-      <p:sp>
-        <p:nvSpPr>
           <p:cNvPr id="102" name="Rounded Rectangle 12">
             <a:extLst>
               <a:ext uri="{FF2B5EF4-FFF2-40B4-BE49-F238E27FC236}">
@@ -4464,8 +4565,8 @@
         </p:nvSpPr>
         <p:spPr>
           <a:xfrm>
-            <a:off x="1389627" y="4876488"/>
-            <a:ext cx="750455" cy="1551149"/>
+            <a:off x="1389627" y="3807138"/>
+            <a:ext cx="1570930" cy="2620500"/>
           </a:xfrm>
           <a:prstGeom prst="roundRect">
             <a:avLst/>
@@ -4514,8 +4615,8 @@
         </p:nvSpPr>
         <p:spPr>
           <a:xfrm>
-            <a:off x="2322180" y="5738641"/>
-            <a:ext cx="950845" cy="625433"/>
+            <a:off x="1604750" y="5610500"/>
+            <a:ext cx="1165746" cy="625433"/>
           </a:xfrm>
           <a:prstGeom prst="roundRect">
             <a:avLst/>
@@ -5829,9 +5930,9 @@
               <p:nvPr/>
             </p:nvSpPr>
             <p:spPr>
-              <a:xfrm rot="16200000">
-                <a:off x="10542323" y="3031794"/>
-                <a:ext cx="141251" cy="180211"/>
+              <a:xfrm rot="16200000" flipV="1">
+                <a:off x="10403737" y="3010556"/>
+                <a:ext cx="141249" cy="222684"/>
               </a:xfrm>
               <a:prstGeom prst="triangle">
                 <a:avLst/>
@@ -5955,7 +6056,7 @@
               </a:lstStyle>
               <a:p>
                 <a:pPr algn="ctr"/>
-                <a:endParaRPr lang="en-US"/>
+                <a:endParaRPr lang="en-US" dirty="0"/>
               </a:p>
             </p:txBody>
           </p:sp>
@@ -6099,7 +6200,7 @@
             </a:lstStyle>
             <a:p>
               <a:pPr algn="ctr"/>
-              <a:endParaRPr lang="en-US"/>
+              <a:endParaRPr lang="en-US" dirty="0"/>
             </a:p>
           </p:txBody>
         </p:sp>
